--- a/New SonarQubePPT.pptx
+++ b/New SonarQubePPT.pptx
@@ -131,7 +131,7 @@
   </p:defaultTextStyle>
   <p:extLst>
     <p:ext uri="{EFAFB233-063F-42B5-8137-9DF3F51BA10A}">
-      <p15:sldGuideLst xmlns:p15="http://schemas.microsoft.com/office/powerpoint/2012/main" xmlns="">
+      <p15:sldGuideLst xmlns="" xmlns:p15="http://schemas.microsoft.com/office/powerpoint/2012/main">
         <p15:guide id="1" orient="horz" pos="486">
           <p15:clr>
             <a:srgbClr val="A4A3A4"/>
@@ -241,7 +241,7 @@
           <a:p>
             <a:fld id="{F3B47075-42FC-4992-BFD6-71B1872E4AB2}" type="datetimeFigureOut">
               <a:rPr lang="en-US" smtClean="0"/>
-              <a:t>8/16/2019</a:t>
+              <a:t>8/20/2019</a:t>
             </a:fld>
             <a:endParaRPr lang="en-US"/>
           </a:p>
@@ -3701,7 +3701,7 @@
           <a:p>
             <a:fld id="{72CC6C99-819B-4E2C-B66B-9C4B0D9D41D3}" type="datetimeFigureOut">
               <a:rPr lang="en-US" smtClean="0"/>
-              <a:t>8/16/2019</a:t>
+              <a:t>8/20/2019</a:t>
             </a:fld>
             <a:endParaRPr lang="en-US"/>
           </a:p>
@@ -3903,7 +3903,7 @@
           <a:p>
             <a:fld id="{72CC6C99-819B-4E2C-B66B-9C4B0D9D41D3}" type="datetimeFigureOut">
               <a:rPr lang="en-US" smtClean="0"/>
-              <a:t>8/16/2019</a:t>
+              <a:t>8/20/2019</a:t>
             </a:fld>
             <a:endParaRPr lang="en-US"/>
           </a:p>
@@ -4190,7 +4190,7 @@
           <a:p>
             <a:fld id="{FE54115B-6CD9-43BC-8D55-E1FCD10AF002}" type="datetimeFigureOut">
               <a:rPr lang="en-US" smtClean="0"/>
-              <a:t>8/16/2019</a:t>
+              <a:t>8/20/2019</a:t>
             </a:fld>
             <a:endParaRPr lang="en-US"/>
           </a:p>
@@ -4360,7 +4360,7 @@
           <a:p>
             <a:fld id="{FE54115B-6CD9-43BC-8D55-E1FCD10AF002}" type="datetimeFigureOut">
               <a:rPr lang="en-US" smtClean="0"/>
-              <a:t>8/16/2019</a:t>
+              <a:t>8/20/2019</a:t>
             </a:fld>
             <a:endParaRPr lang="en-US"/>
           </a:p>
@@ -4606,7 +4606,7 @@
           <a:p>
             <a:fld id="{FE54115B-6CD9-43BC-8D55-E1FCD10AF002}" type="datetimeFigureOut">
               <a:rPr lang="en-US" smtClean="0"/>
-              <a:t>8/16/2019</a:t>
+              <a:t>8/20/2019</a:t>
             </a:fld>
             <a:endParaRPr lang="en-US"/>
           </a:p>
@@ -4894,7 +4894,7 @@
           <a:p>
             <a:fld id="{FE54115B-6CD9-43BC-8D55-E1FCD10AF002}" type="datetimeFigureOut">
               <a:rPr lang="en-US" smtClean="0"/>
-              <a:t>8/16/2019</a:t>
+              <a:t>8/20/2019</a:t>
             </a:fld>
             <a:endParaRPr lang="en-US"/>
           </a:p>
@@ -5323,7 +5323,7 @@
           <a:p>
             <a:fld id="{FE54115B-6CD9-43BC-8D55-E1FCD10AF002}" type="datetimeFigureOut">
               <a:rPr lang="en-US" smtClean="0"/>
-              <a:t>8/16/2019</a:t>
+              <a:t>8/20/2019</a:t>
             </a:fld>
             <a:endParaRPr lang="en-US"/>
           </a:p>
@@ -5441,7 +5441,7 @@
           <a:p>
             <a:fld id="{FE54115B-6CD9-43BC-8D55-E1FCD10AF002}" type="datetimeFigureOut">
               <a:rPr lang="en-US" smtClean="0"/>
-              <a:t>8/16/2019</a:t>
+              <a:t>8/20/2019</a:t>
             </a:fld>
             <a:endParaRPr lang="en-US"/>
           </a:p>
@@ -5536,7 +5536,7 @@
           <a:p>
             <a:fld id="{FE54115B-6CD9-43BC-8D55-E1FCD10AF002}" type="datetimeFigureOut">
               <a:rPr lang="en-US" smtClean="0"/>
-              <a:t>8/16/2019</a:t>
+              <a:t>8/20/2019</a:t>
             </a:fld>
             <a:endParaRPr lang="en-US"/>
           </a:p>
@@ -6016,7 +6016,7 @@
           <a:p>
             <a:fld id="{FE54115B-6CD9-43BC-8D55-E1FCD10AF002}" type="datetimeFigureOut">
               <a:rPr lang="en-US" smtClean="0"/>
-              <a:t>8/16/2019</a:t>
+              <a:t>8/20/2019</a:t>
             </a:fld>
             <a:endParaRPr lang="en-US"/>
           </a:p>
@@ -6269,7 +6269,7 @@
           <a:p>
             <a:fld id="{FE54115B-6CD9-43BC-8D55-E1FCD10AF002}" type="datetimeFigureOut">
               <a:rPr lang="en-US" smtClean="0"/>
-              <a:t>8/16/2019</a:t>
+              <a:t>8/20/2019</a:t>
             </a:fld>
             <a:endParaRPr lang="en-US"/>
           </a:p>
@@ -6439,7 +6439,7 @@
           <a:p>
             <a:fld id="{FE54115B-6CD9-43BC-8D55-E1FCD10AF002}" type="datetimeFigureOut">
               <a:rPr lang="en-US" smtClean="0"/>
-              <a:t>8/16/2019</a:t>
+              <a:t>8/20/2019</a:t>
             </a:fld>
             <a:endParaRPr lang="en-US"/>
           </a:p>
@@ -6619,7 +6619,7 @@
           <a:p>
             <a:fld id="{FE54115B-6CD9-43BC-8D55-E1FCD10AF002}" type="datetimeFigureOut">
               <a:rPr lang="en-US" smtClean="0"/>
-              <a:t>8/16/2019</a:t>
+              <a:t>8/20/2019</a:t>
             </a:fld>
             <a:endParaRPr lang="en-US"/>
           </a:p>
@@ -6879,7 +6879,7 @@
           <a:p>
             <a:fld id="{72CC6C99-819B-4E2C-B66B-9C4B0D9D41D3}" type="datetimeFigureOut">
               <a:rPr lang="en-US" smtClean="0"/>
-              <a:t>8/16/2019</a:t>
+              <a:t>8/20/2019</a:t>
             </a:fld>
             <a:endParaRPr lang="en-US"/>
           </a:p>
@@ -7204,7 +7204,7 @@
           <a:p>
             <a:fld id="{72CC6C99-819B-4E2C-B66B-9C4B0D9D41D3}" type="datetimeFigureOut">
               <a:rPr lang="en-US" smtClean="0"/>
-              <a:t>8/16/2019</a:t>
+              <a:t>8/20/2019</a:t>
             </a:fld>
             <a:endParaRPr lang="en-US"/>
           </a:p>
@@ -7669,7 +7669,7 @@
           <a:p>
             <a:fld id="{72CC6C99-819B-4E2C-B66B-9C4B0D9D41D3}" type="datetimeFigureOut">
               <a:rPr lang="en-US" smtClean="0"/>
-              <a:t>8/16/2019</a:t>
+              <a:t>8/20/2019</a:t>
             </a:fld>
             <a:endParaRPr lang="en-US"/>
           </a:p>
@@ -7811,7 +7811,7 @@
           <a:p>
             <a:fld id="{72CC6C99-819B-4E2C-B66B-9C4B0D9D41D3}" type="datetimeFigureOut">
               <a:rPr lang="en-US" smtClean="0"/>
-              <a:t>8/16/2019</a:t>
+              <a:t>8/20/2019</a:t>
             </a:fld>
             <a:endParaRPr lang="en-US"/>
           </a:p>
@@ -7922,7 +7922,7 @@
           <a:p>
             <a:fld id="{72CC6C99-819B-4E2C-B66B-9C4B0D9D41D3}" type="datetimeFigureOut">
               <a:rPr lang="en-US" smtClean="0"/>
-              <a:t>8/16/2019</a:t>
+              <a:t>8/20/2019</a:t>
             </a:fld>
             <a:endParaRPr lang="en-US"/>
           </a:p>
@@ -8224,7 +8224,7 @@
           <a:p>
             <a:fld id="{72CC6C99-819B-4E2C-B66B-9C4B0D9D41D3}" type="datetimeFigureOut">
               <a:rPr lang="en-US" smtClean="0"/>
-              <a:t>8/16/2019</a:t>
+              <a:t>8/20/2019</a:t>
             </a:fld>
             <a:endParaRPr lang="en-US"/>
           </a:p>
@@ -8502,7 +8502,7 @@
           <a:p>
             <a:fld id="{72CC6C99-819B-4E2C-B66B-9C4B0D9D41D3}" type="datetimeFigureOut">
               <a:rPr lang="en-US" smtClean="0"/>
-              <a:t>8/16/2019</a:t>
+              <a:t>8/20/2019</a:t>
             </a:fld>
             <a:endParaRPr lang="en-US"/>
           </a:p>
@@ -9358,7 +9358,7 @@
           <a:p>
             <a:fld id="{FE54115B-6CD9-43BC-8D55-E1FCD10AF002}" type="datetimeFigureOut">
               <a:rPr lang="en-US" smtClean="0"/>
-              <a:t>8/16/2019</a:t>
+              <a:t>8/20/2019</a:t>
             </a:fld>
             <a:endParaRPr lang="en-US"/>
           </a:p>
@@ -10346,8 +10346,8 @@
         </p:nvSpPr>
         <p:spPr>
           <a:xfrm>
-            <a:off x="1282987" y="3433354"/>
-            <a:ext cx="4009104" cy="762000"/>
+            <a:off x="337639" y="3433354"/>
+            <a:ext cx="4954452" cy="762000"/>
           </a:xfrm>
           <a:prstGeom prst="rect">
             <a:avLst/>
@@ -10390,40 +10390,7 @@
           </a:p>
           <a:p>
             <a:pPr algn="r"/>
-            <a:r>
-              <a:rPr lang="en-US" altLang="en-US" sz="2400" b="1" dirty="0" smtClean="0">
-                <a:solidFill>
-                  <a:srgbClr val="2B3B4B"/>
-                </a:solidFill>
-                <a:latin typeface="Tahoma" panose="020B0604030504040204" pitchFamily="34" charset="0"/>
-                <a:ea typeface="Tahoma" panose="020B0604030504040204" pitchFamily="34" charset="0"/>
-                <a:cs typeface="Tahoma" panose="020B0604030504040204" pitchFamily="34" charset="0"/>
-              </a:rPr>
-              <a:t>Authored </a:t>
-            </a:r>
-            <a:r>
-              <a:rPr lang="en-US" altLang="en-US" sz="2400" b="1" dirty="0">
-                <a:solidFill>
-                  <a:srgbClr val="2B3B4B"/>
-                </a:solidFill>
-                <a:latin typeface="Tahoma" panose="020B0604030504040204" pitchFamily="34" charset="0"/>
-                <a:ea typeface="Tahoma" panose="020B0604030504040204" pitchFamily="34" charset="0"/>
-                <a:cs typeface="Tahoma" panose="020B0604030504040204" pitchFamily="34" charset="0"/>
-              </a:rPr>
-              <a:t>&amp; </a:t>
-            </a:r>
-            <a:r>
-              <a:rPr lang="en-US" altLang="en-US" sz="2400" b="1" dirty="0" smtClean="0">
-                <a:solidFill>
-                  <a:srgbClr val="2B3B4B"/>
-                </a:solidFill>
-                <a:latin typeface="Tahoma" panose="020B0604030504040204" pitchFamily="34" charset="0"/>
-                <a:ea typeface="Tahoma" panose="020B0604030504040204" pitchFamily="34" charset="0"/>
-                <a:cs typeface="Tahoma" panose="020B0604030504040204" pitchFamily="34" charset="0"/>
-              </a:rPr>
-              <a:t>Presented by : Ruchika Raghorte</a:t>
-            </a:r>
-            <a:endParaRPr lang="en-US" altLang="en-US" sz="2400" b="1" dirty="0">
+            <a:endParaRPr lang="en-US" altLang="en-US" sz="2300" b="1" dirty="0" smtClean="0">
               <a:solidFill>
                 <a:srgbClr val="2B3B4B"/>
               </a:solidFill>
@@ -10434,7 +10401,40 @@
           </a:p>
           <a:p>
             <a:pPr algn="r"/>
-            <a:endParaRPr lang="en-US" sz="2400" dirty="0" smtClean="0">
+            <a:r>
+              <a:rPr lang="en-US" altLang="en-US" sz="2300" b="1" dirty="0" smtClean="0">
+                <a:solidFill>
+                  <a:srgbClr val="2B3B4B"/>
+                </a:solidFill>
+                <a:latin typeface="Tahoma" panose="020B0604030504040204" pitchFamily="34" charset="0"/>
+                <a:ea typeface="Tahoma" panose="020B0604030504040204" pitchFamily="34" charset="0"/>
+                <a:cs typeface="Tahoma" panose="020B0604030504040204" pitchFamily="34" charset="0"/>
+              </a:rPr>
+              <a:t>Presented </a:t>
+            </a:r>
+            <a:r>
+              <a:rPr lang="en-US" altLang="en-US" sz="2300" b="1" dirty="0" smtClean="0">
+                <a:solidFill>
+                  <a:srgbClr val="2B3B4B"/>
+                </a:solidFill>
+                <a:latin typeface="Tahoma" panose="020B0604030504040204" pitchFamily="34" charset="0"/>
+                <a:ea typeface="Tahoma" panose="020B0604030504040204" pitchFamily="34" charset="0"/>
+                <a:cs typeface="Tahoma" panose="020B0604030504040204" pitchFamily="34" charset="0"/>
+              </a:rPr>
+              <a:t>by : Ruchika Raghorte</a:t>
+            </a:r>
+            <a:endParaRPr lang="en-US" altLang="en-US" sz="2300" b="1" dirty="0">
+              <a:solidFill>
+                <a:srgbClr val="2B3B4B"/>
+              </a:solidFill>
+              <a:latin typeface="Tahoma" panose="020B0604030504040204" pitchFamily="34" charset="0"/>
+              <a:ea typeface="Tahoma" panose="020B0604030504040204" pitchFamily="34" charset="0"/>
+              <a:cs typeface="Tahoma" panose="020B0604030504040204" pitchFamily="34" charset="0"/>
+            </a:endParaRPr>
+          </a:p>
+          <a:p>
+            <a:pPr algn="r"/>
+            <a:endParaRPr lang="en-US" sz="2300" dirty="0" smtClean="0">
               <a:solidFill>
                 <a:srgbClr val="2B3B4B"/>
               </a:solidFill>
@@ -13748,18 +13748,7 @@
                 <a:ea typeface="Tahoma" panose="020B0604030504040204" pitchFamily="34" charset="0"/>
                 <a:cs typeface="Tahoma" panose="020B0604030504040204" pitchFamily="34" charset="0"/>
               </a:rPr>
-              <a:t>exist</a:t>
-            </a:r>
-            <a:r>
-              <a:rPr lang="en-US" sz="1600" dirty="0" smtClean="0">
-                <a:solidFill>
-                  <a:srgbClr val="2B3B4B"/>
-                </a:solidFill>
-                <a:latin typeface="Tahoma" panose="020B0604030504040204" pitchFamily="34" charset="0"/>
-                <a:ea typeface="Tahoma" panose="020B0604030504040204" pitchFamily="34" charset="0"/>
-                <a:cs typeface="Tahoma" panose="020B0604030504040204" pitchFamily="34" charset="0"/>
-              </a:rPr>
-              <a:t>.</a:t>
+              <a:t>exist.</a:t>
             </a:r>
           </a:p>
           <a:p>
@@ -14459,18 +14448,7 @@
                 <a:ea typeface="Tahoma" panose="020B0604030504040204" pitchFamily="34" charset="0"/>
                 <a:cs typeface="Tahoma" panose="020B0604030504040204" pitchFamily="34" charset="0"/>
               </a:rPr>
-              <a:t>    </a:t>
-            </a:r>
-            <a:r>
-              <a:rPr lang="en-US" altLang="en-US" sz="1600" dirty="0" smtClean="0">
-                <a:solidFill>
-                  <a:srgbClr val="2B3B4B"/>
-                </a:solidFill>
-                <a:latin typeface="Tahoma" panose="020B0604030504040204" pitchFamily="34" charset="0"/>
-                <a:ea typeface="Tahoma" panose="020B0604030504040204" pitchFamily="34" charset="0"/>
-                <a:cs typeface="Tahoma" panose="020B0604030504040204" pitchFamily="34" charset="0"/>
-              </a:rPr>
-              <a:t>Clover</a:t>
+              <a:t>    Clover</a:t>
             </a:r>
             <a:endParaRPr lang="en-US" altLang="en-US" sz="1600" dirty="0">
               <a:solidFill>
@@ -20655,23 +20633,8 @@
               <a:buFont typeface="Arial" panose="020B0604020202020204" pitchFamily="34" charset="0"/>
               <a:buChar char="•"/>
             </a:pPr>
-            <a:endParaRPr lang="en-US" sz="1600" dirty="0" smtClean="0">
-              <a:solidFill>
-                <a:srgbClr val="2B3B4B"/>
-              </a:solidFill>
-              <a:latin typeface="Tahoma" panose="020B0604030504040204" pitchFamily="34" charset="0"/>
-              <a:ea typeface="Tahoma" panose="020B0604030504040204" pitchFamily="34" charset="0"/>
-              <a:cs typeface="Tahoma" panose="020B0604030504040204" pitchFamily="34" charset="0"/>
-            </a:endParaRPr>
-          </a:p>
-          <a:p>
-            <a:pPr algn="l">
-              <a:lnSpc>
-                <a:spcPct val="160000"/>
-              </a:lnSpc>
-            </a:pPr>
-            <a:r>
-              <a:rPr lang="en-US" sz="1600" dirty="0">
+            <a:r>
+              <a:rPr lang="en-US" sz="1600" dirty="0" smtClean="0">
                 <a:solidFill>
                   <a:srgbClr val="2B3B4B"/>
                 </a:solidFill>
@@ -20679,20 +20642,9 @@
                 <a:ea typeface="Tahoma" panose="020B0604030504040204" pitchFamily="34" charset="0"/>
                 <a:cs typeface="Tahoma" panose="020B0604030504040204" pitchFamily="34" charset="0"/>
               </a:rPr>
-              <a:t>Static analysis, also called static code analysis, is a method of computer program debugging that is done by examining the code without executing the program. The process provides an understanding of the code structure, and can help to ensure that the code adheres to industry </a:t>
-            </a:r>
-            <a:r>
-              <a:rPr lang="en-US" sz="1600" dirty="0" smtClean="0">
-                <a:solidFill>
-                  <a:srgbClr val="2B3B4B"/>
-                </a:solidFill>
-                <a:latin typeface="Tahoma" panose="020B0604030504040204" pitchFamily="34" charset="0"/>
-                <a:ea typeface="Tahoma" panose="020B0604030504040204" pitchFamily="34" charset="0"/>
-                <a:cs typeface="Tahoma" panose="020B0604030504040204" pitchFamily="34" charset="0"/>
-              </a:rPr>
-              <a:t>standards.</a:t>
-            </a:r>
-            <a:endParaRPr lang="en-US" sz="1600" dirty="0">
+              <a:t>Examining code without executing the program </a:t>
+            </a:r>
+            <a:endParaRPr lang="en-US" sz="1600" dirty="0" smtClean="0">
               <a:solidFill>
                 <a:srgbClr val="2B3B4B"/>
               </a:solidFill>
@@ -20979,7 +20931,7 @@
         </p:spPr>
         <p:txBody>
           <a:bodyPr lIns="100557" tIns="50278" rIns="100557" bIns="50278" anchor="t">
-            <a:normAutofit fontScale="47500" lnSpcReduction="20000"/>
+            <a:normAutofit fontScale="55000" lnSpcReduction="20000"/>
           </a:bodyPr>
           <a:lstStyle>
             <a:lvl1pPr algn="ctr" defTabSz="1005566" rtl="0" eaLnBrk="1" latinLnBrk="0" hangingPunct="1">
@@ -21128,8 +21080,27 @@
                 <a:ea typeface="Tahoma" panose="020B0604030504040204" pitchFamily="34" charset="0"/>
                 <a:cs typeface="Tahoma" panose="020B0604030504040204" pitchFamily="34" charset="0"/>
               </a:rPr>
-              <a:t>Having complex component or/and a bad distribution of complexity amongst components</a:t>
-            </a:r>
+              <a:t>Having complex </a:t>
+            </a:r>
+            <a:r>
+              <a:rPr lang="en-US" sz="2900" dirty="0" smtClean="0">
+                <a:solidFill>
+                  <a:srgbClr val="2B3B4B"/>
+                </a:solidFill>
+                <a:latin typeface="Tahoma" panose="020B0604030504040204" pitchFamily="34" charset="0"/>
+                <a:ea typeface="Tahoma" panose="020B0604030504040204" pitchFamily="34" charset="0"/>
+                <a:cs typeface="Tahoma" panose="020B0604030504040204" pitchFamily="34" charset="0"/>
+              </a:rPr>
+              <a:t>component</a:t>
+            </a:r>
+            <a:endParaRPr lang="en-US" sz="2900" dirty="0">
+              <a:solidFill>
+                <a:srgbClr val="2B3B4B"/>
+              </a:solidFill>
+              <a:latin typeface="Tahoma" panose="020B0604030504040204" pitchFamily="34" charset="0"/>
+              <a:ea typeface="Tahoma" panose="020B0604030504040204" pitchFamily="34" charset="0"/>
+              <a:cs typeface="Tahoma" panose="020B0604030504040204" pitchFamily="34" charset="0"/>
+            </a:endParaRPr>
           </a:p>
           <a:p>
             <a:pPr marL="285750" lvl="1" indent="-285750">
@@ -21152,8 +21123,27 @@
                 <a:ea typeface="Tahoma" panose="020B0604030504040204" pitchFamily="34" charset="0"/>
                 <a:cs typeface="Tahoma" panose="020B0604030504040204" pitchFamily="34" charset="0"/>
               </a:rPr>
-              <a:t>Having no or low code coverage by unit tests, especially in complex part of the program</a:t>
-            </a:r>
+              <a:t>Having no or low code coverage by unit </a:t>
+            </a:r>
+            <a:r>
+              <a:rPr lang="en-US" sz="2900" dirty="0" smtClean="0">
+                <a:solidFill>
+                  <a:srgbClr val="2B3B4B"/>
+                </a:solidFill>
+                <a:latin typeface="Tahoma" panose="020B0604030504040204" pitchFamily="34" charset="0"/>
+                <a:ea typeface="Tahoma" panose="020B0604030504040204" pitchFamily="34" charset="0"/>
+                <a:cs typeface="Tahoma" panose="020B0604030504040204" pitchFamily="34" charset="0"/>
+              </a:rPr>
+              <a:t>tests</a:t>
+            </a:r>
+            <a:endParaRPr lang="en-US" sz="2900" dirty="0">
+              <a:solidFill>
+                <a:srgbClr val="2B3B4B"/>
+              </a:solidFill>
+              <a:latin typeface="Tahoma" panose="020B0604030504040204" pitchFamily="34" charset="0"/>
+              <a:ea typeface="Tahoma" panose="020B0604030504040204" pitchFamily="34" charset="0"/>
+              <a:cs typeface="Tahoma" panose="020B0604030504040204" pitchFamily="34" charset="0"/>
+            </a:endParaRPr>
           </a:p>
           <a:p>
             <a:pPr marL="285750" lvl="1" indent="-285750">
@@ -21217,35 +21207,6 @@
               <a:ea typeface="Tahoma" panose="020B0604030504040204" pitchFamily="34" charset="0"/>
               <a:cs typeface="Tahoma" panose="020B0604030504040204" pitchFamily="34" charset="0"/>
             </a:endParaRPr>
-          </a:p>
-          <a:p>
-            <a:pPr algn="l">
-              <a:lnSpc>
-                <a:spcPct val="140000"/>
-              </a:lnSpc>
-            </a:pPr>
-            <a:r>
-              <a:rPr lang="en-US" sz="2900" dirty="0">
-                <a:solidFill>
-                  <a:srgbClr val="2B3B4B"/>
-                </a:solidFill>
-                <a:latin typeface="Tahoma" panose="020B0604030504040204" pitchFamily="34" charset="0"/>
-                <a:ea typeface="Tahoma" panose="020B0604030504040204" pitchFamily="34" charset="0"/>
-                <a:cs typeface="Tahoma" panose="020B0604030504040204" pitchFamily="34" charset="0"/>
-              </a:rPr>
-              <a:t>Solution - </a:t>
-            </a:r>
-            <a:r>
-              <a:rPr lang="en-US" sz="2900" b="1" dirty="0">
-                <a:solidFill>
-                  <a:srgbClr val="2B3B4B"/>
-                </a:solidFill>
-                <a:latin typeface="Tahoma" panose="020B0604030504040204" pitchFamily="34" charset="0"/>
-                <a:ea typeface="Tahoma" panose="020B0604030504040204" pitchFamily="34" charset="0"/>
-                <a:cs typeface="Tahoma" panose="020B0604030504040204" pitchFamily="34" charset="0"/>
-              </a:rPr>
-              <a:t>SonarQube</a:t>
-            </a:r>
           </a:p>
         </p:txBody>
       </p:sp>
@@ -22175,18 +22136,7 @@
                 <a:ea typeface="Tahoma" panose="020B0604030504040204" pitchFamily="34" charset="0"/>
                 <a:cs typeface="Tahoma" panose="020B0604030504040204" pitchFamily="34" charset="0"/>
               </a:rPr>
-              <a:t>Supports </a:t>
-            </a:r>
-            <a:r>
-              <a:rPr lang="en-US" sz="1600" dirty="0" smtClean="0">
-                <a:solidFill>
-                  <a:srgbClr val="2B3B4B"/>
-                </a:solidFill>
-                <a:latin typeface="Tahoma" panose="020B0604030504040204" pitchFamily="34" charset="0"/>
-                <a:ea typeface="Tahoma" panose="020B0604030504040204" pitchFamily="34" charset="0"/>
-                <a:cs typeface="Tahoma" panose="020B0604030504040204" pitchFamily="34" charset="0"/>
-              </a:rPr>
-              <a:t>25+languages (</a:t>
+              <a:t>Supports 25+languages (</a:t>
             </a:r>
             <a:r>
               <a:rPr lang="en-US" sz="1600" b="1" dirty="0" smtClean="0">
@@ -22370,56 +22320,32 @@
       </p:sp>
       <p:pic>
         <p:nvPicPr>
-          <p:cNvPr id="5" name="Picture 4" descr="http://www.sonarqube.org/wp-content/themes/sonar/images/7axes.png"/>
+          <p:cNvPr id="6" name="Picture 5"/>
           <p:cNvPicPr>
-            <a:picLocks noChangeAspect="1" noChangeArrowheads="1"/>
+            <a:picLocks noChangeAspect="1"/>
           </p:cNvPicPr>
           <p:nvPr/>
         </p:nvPicPr>
         <p:blipFill>
-          <a:blip r:embed="rId3">
+          <a:blip r:embed="rId3" cstate="print">
             <a:extLst>
               <a:ext uri="{28A0092B-C50C-407E-A947-70E740481C1C}">
                 <a14:useLocalDpi xmlns:a14="http://schemas.microsoft.com/office/drawing/2010/main" val="0"/>
               </a:ext>
             </a:extLst>
           </a:blip>
-          <a:srcRect/>
           <a:stretch>
             <a:fillRect/>
           </a:stretch>
         </p:blipFill>
-        <p:spPr bwMode="auto">
+        <p:spPr>
           <a:xfrm>
-            <a:off x="7391400" y="1381919"/>
-            <a:ext cx="2667000" cy="3047206"/>
+            <a:off x="5036883" y="924719"/>
+            <a:ext cx="4927569" cy="3505200"/>
           </a:xfrm>
           <a:prstGeom prst="rect">
             <a:avLst/>
           </a:prstGeom>
-          <a:noFill/>
-          <a:ln>
-            <a:noFill/>
-          </a:ln>
-          <a:extLst>
-            <a:ext uri="{909E8E84-426E-40DD-AFC4-6F175D3DCCD1}">
-              <a14:hiddenFill xmlns:a14="http://schemas.microsoft.com/office/drawing/2010/main">
-                <a:solidFill>
-                  <a:srgbClr val="FFFFFF"/>
-                </a:solidFill>
-              </a14:hiddenFill>
-            </a:ext>
-            <a:ext uri="{91240B29-F687-4F45-9708-019B960494DF}">
-              <a14:hiddenLine xmlns:a14="http://schemas.microsoft.com/office/drawing/2010/main" w="9525">
-                <a:solidFill>
-                  <a:srgbClr val="000000"/>
-                </a:solidFill>
-                <a:miter lim="800000"/>
-                <a:headEnd/>
-                <a:tailEnd/>
-              </a14:hiddenLine>
-            </a:ext>
-          </a:extLst>
         </p:spPr>
       </p:pic>
     </p:spTree>
@@ -22863,6 +22789,13 @@
   <p:clrMapOvr>
     <a:masterClrMapping/>
   </p:clrMapOvr>
+  <p:timing>
+    <p:tnLst>
+      <p:par>
+        <p:cTn id="1" dur="indefinite" restart="never" nodeType="tmRoot"/>
+      </p:par>
+    </p:tnLst>
+  </p:timing>
 </p:sld>
 </file>
 
@@ -23169,10 +23102,10 @@
                 <a:ea typeface="Tahoma" panose="020B0604030504040204" pitchFamily="34" charset="0"/>
                 <a:cs typeface="Tahoma" panose="020B0604030504040204" pitchFamily="34" charset="0"/>
               </a:rPr>
-              <a:t>R</a:t>
-            </a:r>
-            <a:r>
-              <a:rPr lang="en-US" sz="1600" dirty="0" smtClean="0">
+              <a:t>Receives </a:t>
+            </a:r>
+            <a:r>
+              <a:rPr lang="en-US" sz="1600" dirty="0">
                 <a:solidFill>
                   <a:srgbClr val="2B3B4B"/>
                 </a:solidFill>
@@ -23180,38 +23113,8 @@
                 <a:ea typeface="Tahoma" panose="020B0604030504040204" pitchFamily="34" charset="0"/>
                 <a:cs typeface="Tahoma" panose="020B0604030504040204" pitchFamily="34" charset="0"/>
               </a:rPr>
-              <a:t>eceives </a:t>
-            </a:r>
-            <a:r>
-              <a:rPr lang="en-US" sz="1600" dirty="0">
-                <a:solidFill>
-                  <a:srgbClr val="2B3B4B"/>
-                </a:solidFill>
-                <a:latin typeface="Tahoma" panose="020B0604030504040204" pitchFamily="34" charset="0"/>
-                <a:ea typeface="Tahoma" panose="020B0604030504040204" pitchFamily="34" charset="0"/>
-                <a:cs typeface="Tahoma" panose="020B0604030504040204" pitchFamily="34" charset="0"/>
-              </a:rPr>
-              <a:t>regular feedbacks on quality issues </a:t>
-            </a:r>
-            <a:r>
-              <a:rPr lang="en-US" sz="1600" dirty="0">
-                <a:solidFill>
-                  <a:srgbClr val="2B3B4B"/>
-                </a:solidFill>
-                <a:latin typeface="Tahoma" panose="020B0604030504040204" pitchFamily="34" charset="0"/>
-                <a:ea typeface="Tahoma" panose="020B0604030504040204" pitchFamily="34" charset="0"/>
-                <a:cs typeface="Tahoma" panose="020B0604030504040204" pitchFamily="34" charset="0"/>
-              </a:rPr>
-              <a:t>.</a:t>
-            </a:r>
-            <a:endParaRPr lang="en-US" sz="1600" dirty="0">
-              <a:solidFill>
-                <a:srgbClr val="2B3B4B"/>
-              </a:solidFill>
-              <a:latin typeface="Tahoma" panose="020B0604030504040204" pitchFamily="34" charset="0"/>
-              <a:ea typeface="Tahoma" panose="020B0604030504040204" pitchFamily="34" charset="0"/>
-              <a:cs typeface="Tahoma" panose="020B0604030504040204" pitchFamily="34" charset="0"/>
-            </a:endParaRPr>
+              <a:t>regular feedbacks on quality issues .</a:t>
+            </a:r>
           </a:p>
           <a:p>
             <a:pPr lvl="0" defTabSz="914400">
@@ -24174,7 +24077,7 @@
   <a:extraClrSchemeLst/>
   <a:extLst>
     <a:ext uri="{05A4C25C-085E-4340-85A3-A5531E510DB2}">
-      <thm15:themeFamily xmlns:thm15="http://schemas.microsoft.com/office/thememl/2012/main" xmlns="" name="Office Theme" id="{62F939B6-93AF-4DB8-9C6B-D6C7DFDC589F}" vid="{4A3C46E8-61CC-4603-A589-7422A47A8E4A}"/>
+      <thm15:themeFamily xmlns="" xmlns:thm15="http://schemas.microsoft.com/office/thememl/2012/main" name="Office Theme" id="{62F939B6-93AF-4DB8-9C6B-D6C7DFDC589F}" vid="{4A3C46E8-61CC-4603-A589-7422A47A8E4A}"/>
     </a:ext>
   </a:extLst>
 </a:theme>
